--- a/Web Scarfing Using Java.pptx
+++ b/Web Scarfing Using Java.pptx
@@ -107,6 +107,11 @@
       </a:defRPr>
     </a:lvl9pPr>
   </p:defaultTextStyle>
+  <p:extLst>
+    <p:ext uri="{EFAFB233-063F-42B5-8137-9DF3F51BA10A}">
+      <p15:sldGuideLst xmlns:p15="http://schemas.microsoft.com/office/powerpoint/2012/main"/>
+    </p:ext>
+  </p:extLst>
 </p:presentation>
 </file>
 
@@ -257,7 +262,7 @@
           <a:p>
             <a:fld id="{38BC572D-1C25-4CA9-9D7C-82853B58C98C}" type="datetimeFigureOut">
               <a:rPr lang="en-US" smtClean="0"/>
-              <a:t>4/3/2021</a:t>
+              <a:t>4/5/2021</a:t>
             </a:fld>
             <a:endParaRPr lang="en-US"/>
           </a:p>
@@ -455,7 +460,7 @@
           <a:p>
             <a:fld id="{38BC572D-1C25-4CA9-9D7C-82853B58C98C}" type="datetimeFigureOut">
               <a:rPr lang="en-US" smtClean="0"/>
-              <a:t>4/3/2021</a:t>
+              <a:t>4/5/2021</a:t>
             </a:fld>
             <a:endParaRPr lang="en-US"/>
           </a:p>
@@ -663,7 +668,7 @@
           <a:p>
             <a:fld id="{38BC572D-1C25-4CA9-9D7C-82853B58C98C}" type="datetimeFigureOut">
               <a:rPr lang="en-US" smtClean="0"/>
-              <a:t>4/3/2021</a:t>
+              <a:t>4/5/2021</a:t>
             </a:fld>
             <a:endParaRPr lang="en-US"/>
           </a:p>
@@ -861,7 +866,7 @@
           <a:p>
             <a:fld id="{38BC572D-1C25-4CA9-9D7C-82853B58C98C}" type="datetimeFigureOut">
               <a:rPr lang="en-US" smtClean="0"/>
-              <a:t>4/3/2021</a:t>
+              <a:t>4/5/2021</a:t>
             </a:fld>
             <a:endParaRPr lang="en-US"/>
           </a:p>
@@ -1136,7 +1141,7 @@
           <a:p>
             <a:fld id="{38BC572D-1C25-4CA9-9D7C-82853B58C98C}" type="datetimeFigureOut">
               <a:rPr lang="en-US" smtClean="0"/>
-              <a:t>4/3/2021</a:t>
+              <a:t>4/5/2021</a:t>
             </a:fld>
             <a:endParaRPr lang="en-US"/>
           </a:p>
@@ -1401,7 +1406,7 @@
           <a:p>
             <a:fld id="{38BC572D-1C25-4CA9-9D7C-82853B58C98C}" type="datetimeFigureOut">
               <a:rPr lang="en-US" smtClean="0"/>
-              <a:t>4/3/2021</a:t>
+              <a:t>4/5/2021</a:t>
             </a:fld>
             <a:endParaRPr lang="en-US"/>
           </a:p>
@@ -1813,7 +1818,7 @@
           <a:p>
             <a:fld id="{38BC572D-1C25-4CA9-9D7C-82853B58C98C}" type="datetimeFigureOut">
               <a:rPr lang="en-US" smtClean="0"/>
-              <a:t>4/3/2021</a:t>
+              <a:t>4/5/2021</a:t>
             </a:fld>
             <a:endParaRPr lang="en-US"/>
           </a:p>
@@ -1954,7 +1959,7 @@
           <a:p>
             <a:fld id="{38BC572D-1C25-4CA9-9D7C-82853B58C98C}" type="datetimeFigureOut">
               <a:rPr lang="en-US" smtClean="0"/>
-              <a:t>4/3/2021</a:t>
+              <a:t>4/5/2021</a:t>
             </a:fld>
             <a:endParaRPr lang="en-US"/>
           </a:p>
@@ -2067,7 +2072,7 @@
           <a:p>
             <a:fld id="{38BC572D-1C25-4CA9-9D7C-82853B58C98C}" type="datetimeFigureOut">
               <a:rPr lang="en-US" smtClean="0"/>
-              <a:t>4/3/2021</a:t>
+              <a:t>4/5/2021</a:t>
             </a:fld>
             <a:endParaRPr lang="en-US"/>
           </a:p>
@@ -2378,7 +2383,7 @@
           <a:p>
             <a:fld id="{38BC572D-1C25-4CA9-9D7C-82853B58C98C}" type="datetimeFigureOut">
               <a:rPr lang="en-US" smtClean="0"/>
-              <a:t>4/3/2021</a:t>
+              <a:t>4/5/2021</a:t>
             </a:fld>
             <a:endParaRPr lang="en-US"/>
           </a:p>
@@ -2666,7 +2671,7 @@
           <a:p>
             <a:fld id="{38BC572D-1C25-4CA9-9D7C-82853B58C98C}" type="datetimeFigureOut">
               <a:rPr lang="en-US" smtClean="0"/>
-              <a:t>4/3/2021</a:t>
+              <a:t>4/5/2021</a:t>
             </a:fld>
             <a:endParaRPr lang="en-US"/>
           </a:p>
@@ -2907,7 +2912,7 @@
           <a:p>
             <a:fld id="{38BC572D-1C25-4CA9-9D7C-82853B58C98C}" type="datetimeFigureOut">
               <a:rPr lang="en-US" smtClean="0"/>
-              <a:t>4/3/2021</a:t>
+              <a:t>4/5/2021</a:t>
             </a:fld>
             <a:endParaRPr lang="en-US"/>
           </a:p>
@@ -3463,7 +3468,45 @@
                 <a:ea typeface="+mj-ea"/>
                 <a:cs typeface="+mj-cs"/>
               </a:rPr>
-              <a:t>Web Scarfing using Java</a:t>
+              <a:t>Web </a:t>
+            </a:r>
+            <a:r>
+              <a:rPr lang="en-US" sz="8000" dirty="0">
+                <a:ln w="0"/>
+                <a:solidFill>
+                  <a:srgbClr val="FFFFFF"/>
+                </a:solidFill>
+                <a:effectLst>
+                  <a:outerShdw blurRad="38100" dist="19050" dir="2700000" algn="tl" rotWithShape="0">
+                    <a:schemeClr val="dk1">
+                      <a:alpha val="40000"/>
+                    </a:schemeClr>
+                  </a:outerShdw>
+                </a:effectLst>
+                <a:latin typeface="+mj-lt"/>
+                <a:ea typeface="+mj-ea"/>
+                <a:cs typeface="+mj-cs"/>
+              </a:rPr>
+              <a:t>Scraping </a:t>
+            </a:r>
+            <a:r>
+              <a:rPr lang="en-US" sz="8000" b="0" kern="1200" cap="none" spc="0" dirty="0">
+                <a:ln w="0"/>
+                <a:solidFill>
+                  <a:srgbClr val="FFFFFF"/>
+                </a:solidFill>
+                <a:effectLst>
+                  <a:outerShdw blurRad="38100" dist="19050" dir="2700000" algn="tl" rotWithShape="0">
+                    <a:schemeClr val="dk1">
+                      <a:alpha val="40000"/>
+                    </a:schemeClr>
+                  </a:outerShdw>
+                </a:effectLst>
+                <a:latin typeface="+mj-lt"/>
+                <a:ea typeface="+mj-ea"/>
+                <a:cs typeface="+mj-cs"/>
+              </a:rPr>
+              <a:t>using Java</a:t>
             </a:r>
           </a:p>
         </p:txBody>
@@ -5088,7 +5131,7 @@
           <a:p>
             <a:pPr algn="r"/>
             <a:r>
-              <a:rPr lang="en-US" sz="5600" kern="1200">
+              <a:rPr lang="en-US" sz="5600" kern="1200" dirty="0">
                 <a:solidFill>
                   <a:srgbClr val="FFFFFF"/>
                 </a:solidFill>
@@ -5096,7 +5139,26 @@
                 <a:ea typeface="+mj-ea"/>
                 <a:cs typeface="+mj-cs"/>
               </a:rPr>
-              <a:t>Web Scarfing from IMDB – Netflix Data</a:t>
+              <a:t>Web </a:t>
+            </a:r>
+            <a:r>
+              <a:rPr lang="en-US" sz="5600" dirty="0">
+                <a:solidFill>
+                  <a:srgbClr val="FFFFFF"/>
+                </a:solidFill>
+              </a:rPr>
+              <a:t>Scraping </a:t>
+            </a:r>
+            <a:r>
+              <a:rPr lang="en-US" sz="5600" kern="1200" dirty="0">
+                <a:solidFill>
+                  <a:srgbClr val="FFFFFF"/>
+                </a:solidFill>
+                <a:latin typeface="+mj-lt"/>
+                <a:ea typeface="+mj-ea"/>
+                <a:cs typeface="+mj-cs"/>
+              </a:rPr>
+              <a:t>from IMDB – Netflix Data</a:t>
             </a:r>
           </a:p>
         </p:txBody>
